--- a/_Experiments/_Surgery/_templates/RPC-EMG layout.pptx
+++ b/_Experiments/_Surgery/_templates/RPC-EMG layout.pptx
@@ -192,7 +192,7 @@
           <a:p>
             <a:fld id="{46F8F2C1-8A14-4773-BC69-077AA6BEF8AA}" type="datetimeFigureOut">
               <a:rPr lang="en-US" smtClean="0"/>
-              <a:t>5/3/2017</a:t>
+              <a:t>8/4/2017</a:t>
             </a:fld>
             <a:endParaRPr lang="en-US"/>
           </a:p>
@@ -725,7 +725,7 @@
           <a:p>
             <a:fld id="{A4E24B33-863B-4BDB-B3BB-1315F1051867}" type="datetimeFigureOut">
               <a:rPr lang="en-US" smtClean="0"/>
-              <a:t>5/3/2017</a:t>
+              <a:t>8/4/2017</a:t>
             </a:fld>
             <a:endParaRPr lang="en-US"/>
           </a:p>
@@ -895,7 +895,7 @@
           <a:p>
             <a:fld id="{A4E24B33-863B-4BDB-B3BB-1315F1051867}" type="datetimeFigureOut">
               <a:rPr lang="en-US" smtClean="0"/>
-              <a:t>5/3/2017</a:t>
+              <a:t>8/4/2017</a:t>
             </a:fld>
             <a:endParaRPr lang="en-US"/>
           </a:p>
@@ -1075,7 +1075,7 @@
           <a:p>
             <a:fld id="{A4E24B33-863B-4BDB-B3BB-1315F1051867}" type="datetimeFigureOut">
               <a:rPr lang="en-US" smtClean="0"/>
-              <a:t>5/3/2017</a:t>
+              <a:t>8/4/2017</a:t>
             </a:fld>
             <a:endParaRPr lang="en-US"/>
           </a:p>
@@ -1245,7 +1245,7 @@
           <a:p>
             <a:fld id="{A4E24B33-863B-4BDB-B3BB-1315F1051867}" type="datetimeFigureOut">
               <a:rPr lang="en-US" smtClean="0"/>
-              <a:t>5/3/2017</a:t>
+              <a:t>8/4/2017</a:t>
             </a:fld>
             <a:endParaRPr lang="en-US"/>
           </a:p>
@@ -1491,7 +1491,7 @@
           <a:p>
             <a:fld id="{A4E24B33-863B-4BDB-B3BB-1315F1051867}" type="datetimeFigureOut">
               <a:rPr lang="en-US" smtClean="0"/>
-              <a:t>5/3/2017</a:t>
+              <a:t>8/4/2017</a:t>
             </a:fld>
             <a:endParaRPr lang="en-US"/>
           </a:p>
@@ -1779,7 +1779,7 @@
           <a:p>
             <a:fld id="{A4E24B33-863B-4BDB-B3BB-1315F1051867}" type="datetimeFigureOut">
               <a:rPr lang="en-US" smtClean="0"/>
-              <a:t>5/3/2017</a:t>
+              <a:t>8/4/2017</a:t>
             </a:fld>
             <a:endParaRPr lang="en-US"/>
           </a:p>
@@ -2201,7 +2201,7 @@
           <a:p>
             <a:fld id="{A4E24B33-863B-4BDB-B3BB-1315F1051867}" type="datetimeFigureOut">
               <a:rPr lang="en-US" smtClean="0"/>
-              <a:t>5/3/2017</a:t>
+              <a:t>8/4/2017</a:t>
             </a:fld>
             <a:endParaRPr lang="en-US"/>
           </a:p>
@@ -2319,7 +2319,7 @@
           <a:p>
             <a:fld id="{A4E24B33-863B-4BDB-B3BB-1315F1051867}" type="datetimeFigureOut">
               <a:rPr lang="en-US" smtClean="0"/>
-              <a:t>5/3/2017</a:t>
+              <a:t>8/4/2017</a:t>
             </a:fld>
             <a:endParaRPr lang="en-US"/>
           </a:p>
@@ -2414,7 +2414,7 @@
           <a:p>
             <a:fld id="{A4E24B33-863B-4BDB-B3BB-1315F1051867}" type="datetimeFigureOut">
               <a:rPr lang="en-US" smtClean="0"/>
-              <a:t>5/3/2017</a:t>
+              <a:t>8/4/2017</a:t>
             </a:fld>
             <a:endParaRPr lang="en-US"/>
           </a:p>
@@ -2691,7 +2691,7 @@
           <a:p>
             <a:fld id="{A4E24B33-863B-4BDB-B3BB-1315F1051867}" type="datetimeFigureOut">
               <a:rPr lang="en-US" smtClean="0"/>
-              <a:t>5/3/2017</a:t>
+              <a:t>8/4/2017</a:t>
             </a:fld>
             <a:endParaRPr lang="en-US"/>
           </a:p>
@@ -2944,7 +2944,7 @@
           <a:p>
             <a:fld id="{A4E24B33-863B-4BDB-B3BB-1315F1051867}" type="datetimeFigureOut">
               <a:rPr lang="en-US" smtClean="0"/>
-              <a:t>5/3/2017</a:t>
+              <a:t>8/4/2017</a:t>
             </a:fld>
             <a:endParaRPr lang="en-US"/>
           </a:p>
@@ -3157,7 +3157,7 @@
           <a:p>
             <a:fld id="{A4E24B33-863B-4BDB-B3BB-1315F1051867}" type="datetimeFigureOut">
               <a:rPr lang="en-US" smtClean="0"/>
-              <a:t>5/3/2017</a:t>
+              <a:t>8/4/2017</a:t>
             </a:fld>
             <a:endParaRPr lang="en-US"/>
           </a:p>
@@ -4520,7 +4520,7 @@
           </p:nvSpPr>
           <p:spPr>
             <a:xfrm>
-              <a:off x="2236216" y="4295001"/>
+              <a:off x="2353350" y="4295001"/>
               <a:ext cx="389850" cy="276999"/>
             </a:xfrm>
             <a:prstGeom prst="rect">
@@ -4549,7 +4549,7 @@
           </p:nvSpPr>
           <p:spPr>
             <a:xfrm>
-              <a:off x="2438400" y="3533001"/>
+              <a:off x="1667550" y="3533001"/>
               <a:ext cx="389850" cy="276999"/>
             </a:xfrm>
             <a:prstGeom prst="rect">
@@ -4615,7 +4615,7 @@
           </p:nvSpPr>
           <p:spPr>
             <a:xfrm>
-              <a:off x="1828800" y="4295001"/>
+              <a:off x="1743750" y="4295001"/>
               <a:ext cx="389850" cy="276999"/>
             </a:xfrm>
             <a:prstGeom prst="rect">
@@ -4648,7 +4648,7 @@
           </p:nvSpPr>
           <p:spPr>
             <a:xfrm>
-              <a:off x="1676400" y="3533001"/>
+              <a:off x="2505750" y="3533001"/>
               <a:ext cx="389850" cy="276999"/>
             </a:xfrm>
             <a:prstGeom prst="rect">
@@ -4845,8 +4845,8 @@
           </a:fontRef>
         </p:style>
       </p:cxnSp>
-      <mc:AlternateContent xmlns:mc="http://schemas.openxmlformats.org/markup-compatibility/2006">
-        <mc:Choice xmlns:a14="http://schemas.microsoft.com/office/drawing/2010/main" Requires="a14">
+      <mc:AlternateContent xmlns:mc="http://schemas.openxmlformats.org/markup-compatibility/2006" xmlns:a14="http://schemas.microsoft.com/office/drawing/2010/main">
+        <mc:Choice Requires="a14">
           <p:sp>
             <p:nvSpPr>
               <p:cNvPr id="27" name="TextBox 10"/>
@@ -5130,7 +5130,7 @@
             </p:txBody>
           </p:sp>
         </mc:Choice>
-        <mc:Fallback>
+        <mc:Fallback xmlns="">
           <p:sp>
             <p:nvSpPr>
               <p:cNvPr id="27" name="TextBox 10"/>
